--- a/Case_Study_MER/Slides for Class.pptx
+++ b/Case_Study_MER/Slides for Class.pptx
@@ -108,6 +108,11 @@
       </a:defRPr>
     </a:lvl9pPr>
   </p:defaultTextStyle>
+  <p:extLst>
+    <p:ext uri="{EFAFB233-063F-42B5-8137-9DF3F51BA10A}">
+      <p15:sldGuideLst xmlns:p15="http://schemas.microsoft.com/office/powerpoint/2012/main"/>
+    </p:ext>
+  </p:extLst>
 </p:presentation>
 </file>
 
@@ -258,7 +263,7 @@
           <a:p>
             <a:fld id="{EDF658AD-C107-314F-AF63-863345CDBE6E}" type="datetimeFigureOut">
               <a:rPr lang="en-US" smtClean="0"/>
-              <a:t>2/25/18</a:t>
+              <a:t>2/26/18</a:t>
             </a:fld>
             <a:endParaRPr lang="en-US"/>
           </a:p>
@@ -456,7 +461,7 @@
           <a:p>
             <a:fld id="{EDF658AD-C107-314F-AF63-863345CDBE6E}" type="datetimeFigureOut">
               <a:rPr lang="en-US" smtClean="0"/>
-              <a:t>2/25/18</a:t>
+              <a:t>2/26/18</a:t>
             </a:fld>
             <a:endParaRPr lang="en-US"/>
           </a:p>
@@ -664,7 +669,7 @@
           <a:p>
             <a:fld id="{EDF658AD-C107-314F-AF63-863345CDBE6E}" type="datetimeFigureOut">
               <a:rPr lang="en-US" smtClean="0"/>
-              <a:t>2/25/18</a:t>
+              <a:t>2/26/18</a:t>
             </a:fld>
             <a:endParaRPr lang="en-US"/>
           </a:p>
@@ -862,7 +867,7 @@
           <a:p>
             <a:fld id="{EDF658AD-C107-314F-AF63-863345CDBE6E}" type="datetimeFigureOut">
               <a:rPr lang="en-US" smtClean="0"/>
-              <a:t>2/25/18</a:t>
+              <a:t>2/26/18</a:t>
             </a:fld>
             <a:endParaRPr lang="en-US"/>
           </a:p>
@@ -1137,7 +1142,7 @@
           <a:p>
             <a:fld id="{EDF658AD-C107-314F-AF63-863345CDBE6E}" type="datetimeFigureOut">
               <a:rPr lang="en-US" smtClean="0"/>
-              <a:t>2/25/18</a:t>
+              <a:t>2/26/18</a:t>
             </a:fld>
             <a:endParaRPr lang="en-US"/>
           </a:p>
@@ -1402,7 +1407,7 @@
           <a:p>
             <a:fld id="{EDF658AD-C107-314F-AF63-863345CDBE6E}" type="datetimeFigureOut">
               <a:rPr lang="en-US" smtClean="0"/>
-              <a:t>2/25/18</a:t>
+              <a:t>2/26/18</a:t>
             </a:fld>
             <a:endParaRPr lang="en-US"/>
           </a:p>
@@ -1814,7 +1819,7 @@
           <a:p>
             <a:fld id="{EDF658AD-C107-314F-AF63-863345CDBE6E}" type="datetimeFigureOut">
               <a:rPr lang="en-US" smtClean="0"/>
-              <a:t>2/25/18</a:t>
+              <a:t>2/26/18</a:t>
             </a:fld>
             <a:endParaRPr lang="en-US"/>
           </a:p>
@@ -1955,7 +1960,7 @@
           <a:p>
             <a:fld id="{EDF658AD-C107-314F-AF63-863345CDBE6E}" type="datetimeFigureOut">
               <a:rPr lang="en-US" smtClean="0"/>
-              <a:t>2/25/18</a:t>
+              <a:t>2/26/18</a:t>
             </a:fld>
             <a:endParaRPr lang="en-US"/>
           </a:p>
@@ -2068,7 +2073,7 @@
           <a:p>
             <a:fld id="{EDF658AD-C107-314F-AF63-863345CDBE6E}" type="datetimeFigureOut">
               <a:rPr lang="en-US" smtClean="0"/>
-              <a:t>2/25/18</a:t>
+              <a:t>2/26/18</a:t>
             </a:fld>
             <a:endParaRPr lang="en-US"/>
           </a:p>
@@ -2379,7 +2384,7 @@
           <a:p>
             <a:fld id="{EDF658AD-C107-314F-AF63-863345CDBE6E}" type="datetimeFigureOut">
               <a:rPr lang="en-US" smtClean="0"/>
-              <a:t>2/25/18</a:t>
+              <a:t>2/26/18</a:t>
             </a:fld>
             <a:endParaRPr lang="en-US"/>
           </a:p>
@@ -2667,7 +2672,7 @@
           <a:p>
             <a:fld id="{EDF658AD-C107-314F-AF63-863345CDBE6E}" type="datetimeFigureOut">
               <a:rPr lang="en-US" smtClean="0"/>
-              <a:t>2/25/18</a:t>
+              <a:t>2/26/18</a:t>
             </a:fld>
             <a:endParaRPr lang="en-US"/>
           </a:p>
@@ -2908,7 +2913,7 @@
           <a:p>
             <a:fld id="{EDF658AD-C107-314F-AF63-863345CDBE6E}" type="datetimeFigureOut">
               <a:rPr lang="en-US" smtClean="0"/>
-              <a:t>2/25/18</a:t>
+              <a:t>2/26/18</a:t>
             </a:fld>
             <a:endParaRPr lang="en-US"/>
           </a:p>
@@ -4064,8 +4069,43 @@
         </p:blipFill>
         <p:spPr>
           <a:xfrm>
-            <a:off x="2928097" y="1095653"/>
+            <a:off x="108697" y="1128781"/>
             <a:ext cx="6335806" cy="2298283"/>
+          </a:xfrm>
+          <a:prstGeom prst="rect">
+            <a:avLst/>
+          </a:prstGeom>
+          <a:ln>
+            <a:solidFill>
+              <a:schemeClr val="tx1"/>
+            </a:solidFill>
+          </a:ln>
+        </p:spPr>
+      </p:pic>
+      <p:pic>
+        <p:nvPicPr>
+          <p:cNvPr id="12" name="Picture 11">
+            <a:extLst>
+              <a:ext uri="{FF2B5EF4-FFF2-40B4-BE49-F238E27FC236}">
+                <a16:creationId xmlns:a16="http://schemas.microsoft.com/office/drawing/2014/main" id="{5F528AE2-DC10-6E40-BE0F-6D26B5BEA374}"/>
+              </a:ext>
+            </a:extLst>
+          </p:cNvPr>
+          <p:cNvPicPr>
+            <a:picLocks noChangeAspect="1"/>
+          </p:cNvPicPr>
+          <p:nvPr/>
+        </p:nvPicPr>
+        <p:blipFill>
+          <a:blip r:embed="rId6"/>
+          <a:stretch>
+            <a:fillRect/>
+          </a:stretch>
+        </p:blipFill>
+        <p:spPr>
+          <a:xfrm>
+            <a:off x="4659085" y="1128781"/>
+            <a:ext cx="7467600" cy="1993900"/>
           </a:xfrm>
           <a:prstGeom prst="rect">
             <a:avLst/>
@@ -4140,36 +4180,112 @@
           </a:p>
         </p:txBody>
       </p:sp>
-      <p:pic>
-        <p:nvPicPr>
-          <p:cNvPr id="6" name="Picture 5">
-            <a:extLst>
-              <a:ext uri="{FF2B5EF4-FFF2-40B4-BE49-F238E27FC236}">
-                <a16:creationId xmlns:a16="http://schemas.microsoft.com/office/drawing/2014/main" id="{A81218C7-A4EF-1147-90DD-4AAF864EDD6F}"/>
-              </a:ext>
-            </a:extLst>
-          </p:cNvPr>
-          <p:cNvPicPr>
-            <a:picLocks noChangeAspect="1"/>
-          </p:cNvPicPr>
+      <p:sp>
+        <p:nvSpPr>
+          <p:cNvPr id="5" name="Rectangle 4">
+            <a:extLst>
+              <a:ext uri="{FF2B5EF4-FFF2-40B4-BE49-F238E27FC236}">
+                <a16:creationId xmlns:a16="http://schemas.microsoft.com/office/drawing/2014/main" id="{B3ADF656-2B67-BF4B-8F6D-45EAED0988DA}"/>
+              </a:ext>
+            </a:extLst>
+          </p:cNvPr>
+          <p:cNvSpPr/>
           <p:nvPr/>
-        </p:nvPicPr>
-        <p:blipFill>
-          <a:blip r:embed="rId2"/>
-          <a:stretch>
-            <a:fillRect/>
-          </a:stretch>
-        </p:blipFill>
+        </p:nvSpPr>
         <p:spPr>
           <a:xfrm>
-            <a:off x="838200" y="1311462"/>
-            <a:ext cx="7467600" cy="1993900"/>
+            <a:off x="185057" y="1395046"/>
+            <a:ext cx="11821886" cy="2997744"/>
           </a:xfrm>
           <a:prstGeom prst="rect">
             <a:avLst/>
           </a:prstGeom>
         </p:spPr>
-      </p:pic>
+        <p:txBody>
+          <a:bodyPr wrap="square">
+            <a:spAutoFit/>
+          </a:bodyPr>
+          <a:lstStyle/>
+          <a:p>
+            <a:pPr lvl="0">
+              <a:lnSpc>
+                <a:spcPct val="90000"/>
+              </a:lnSpc>
+              <a:spcBef>
+                <a:spcPts val="1000"/>
+              </a:spcBef>
+            </a:pPr>
+            <a:r>
+              <a:rPr lang="en-US" sz="2600" dirty="0">
+                <a:solidFill>
+                  <a:prstClr val="black"/>
+                </a:solidFill>
+              </a:rPr>
+              <a:t>While many of the similarities could be addressed programmatically via string functions, some more complex scenarios required manual intervention. It is because of this we have the following recommendations for implementation to avoid this issues going forward:</a:t>
+            </a:r>
+          </a:p>
+          <a:p>
+            <a:pPr marL="457200" lvl="0" indent="-457200">
+              <a:lnSpc>
+                <a:spcPct val="90000"/>
+              </a:lnSpc>
+              <a:spcBef>
+                <a:spcPts val="1000"/>
+              </a:spcBef>
+              <a:buFontTx/>
+              <a:buChar char="-"/>
+            </a:pPr>
+            <a:r>
+              <a:rPr lang="en-US" sz="2600" dirty="0">
+                <a:solidFill>
+                  <a:prstClr val="black"/>
+                </a:solidFill>
+              </a:rPr>
+              <a:t>Minimize use of acronyms unless official names contain them</a:t>
+            </a:r>
+          </a:p>
+          <a:p>
+            <a:pPr marL="457200" lvl="0" indent="-457200">
+              <a:lnSpc>
+                <a:spcPct val="90000"/>
+              </a:lnSpc>
+              <a:spcBef>
+                <a:spcPts val="1000"/>
+              </a:spcBef>
+              <a:buFontTx/>
+              <a:buChar char="-"/>
+            </a:pPr>
+            <a:r>
+              <a:rPr lang="en-US" sz="2600" dirty="0">
+                <a:solidFill>
+                  <a:prstClr val="black"/>
+                </a:solidFill>
+              </a:rPr>
+              <a:t>Generate mechanism to validate City and State combinations to catch errors</a:t>
+            </a:r>
+          </a:p>
+          <a:p>
+            <a:pPr marL="457200" lvl="0" indent="-457200">
+              <a:lnSpc>
+                <a:spcPct val="90000"/>
+              </a:lnSpc>
+              <a:spcBef>
+                <a:spcPts val="1000"/>
+              </a:spcBef>
+              <a:buFontTx/>
+              <a:buChar char="-"/>
+            </a:pPr>
+            <a:r>
+              <a:rPr lang="en-US" sz="2600" dirty="0">
+                <a:solidFill>
+                  <a:prstClr val="black"/>
+                </a:solidFill>
+              </a:rPr>
+              <a:t>Implement common naming strategy for the sake of consistency (Co. vs Company)</a:t>
+            </a:r>
+          </a:p>
+        </p:txBody>
+      </p:sp>
     </p:spTree>
     <p:extLst>
       <p:ext uri="{BB962C8B-B14F-4D97-AF65-F5344CB8AC3E}">

--- a/Case_Study_MER/Slides for Class.pptx
+++ b/Case_Study_MER/Slides for Class.pptx
@@ -4149,139 +4149,396 @@
       </p:grpSpPr>
       <p:sp>
         <p:nvSpPr>
-          <p:cNvPr id="4" name="Title 1">
-            <a:extLst>
-              <a:ext uri="{FF2B5EF4-FFF2-40B4-BE49-F238E27FC236}">
-                <a16:creationId xmlns:a16="http://schemas.microsoft.com/office/drawing/2014/main" id="{B060558B-6C3D-3C44-8967-9ECA273026AA}"/>
-              </a:ext>
-            </a:extLst>
-          </p:cNvPr>
-          <p:cNvSpPr>
-            <a:spLocks noGrp="1"/>
-          </p:cNvSpPr>
-          <p:nvPr>
-            <p:ph type="title"/>
-          </p:nvPr>
+          <p:cNvPr id="6" name="Shape 54">
+            <a:extLst>
+              <a:ext uri="{FF2B5EF4-FFF2-40B4-BE49-F238E27FC236}">
+                <a16:creationId xmlns:a16="http://schemas.microsoft.com/office/drawing/2014/main" id="{557DC3A8-956F-034E-8EB0-8A8A41E5DAC6}"/>
+              </a:ext>
+            </a:extLst>
+          </p:cNvPr>
+          <p:cNvSpPr txBox="1">
+            <a:spLocks/>
+          </p:cNvSpPr>
+          <p:nvPr/>
         </p:nvSpPr>
         <p:spPr>
           <a:xfrm>
-            <a:off x="838200" y="365125"/>
-            <a:ext cx="10515600" cy="828055"/>
-          </a:xfrm>
-        </p:spPr>
-        <p:txBody>
-          <a:bodyPr/>
-          <a:lstStyle/>
-          <a:p>
-            <a:r>
-              <a:rPr lang="en-US" dirty="0"/>
-              <a:t>Data Investigation: Breweries</a:t>
-            </a:r>
-          </a:p>
-        </p:txBody>
-      </p:sp>
-      <p:sp>
-        <p:nvSpPr>
-          <p:cNvPr id="5" name="Rectangle 4">
-            <a:extLst>
-              <a:ext uri="{FF2B5EF4-FFF2-40B4-BE49-F238E27FC236}">
-                <a16:creationId xmlns:a16="http://schemas.microsoft.com/office/drawing/2014/main" id="{B3ADF656-2B67-BF4B-8F6D-45EAED0988DA}"/>
-              </a:ext>
-            </a:extLst>
-          </p:cNvPr>
-          <p:cNvSpPr/>
-          <p:nvPr/>
-        </p:nvSpPr>
-        <p:spPr>
-          <a:xfrm>
-            <a:off x="185057" y="1395046"/>
-            <a:ext cx="11821886" cy="2997744"/>
+            <a:off x="311700" y="445025"/>
+            <a:ext cx="11270700" cy="572700"/>
           </a:xfrm>
           <a:prstGeom prst="rect">
             <a:avLst/>
           </a:prstGeom>
         </p:spPr>
         <p:txBody>
-          <a:bodyPr wrap="square">
-            <a:spAutoFit/>
+          <a:bodyPr spcFirstLastPara="1" vert="horz" wrap="square" lIns="91425" tIns="91425" rIns="91425" bIns="91425" rtlCol="0" anchor="t" anchorCtr="0">
+            <a:noAutofit/>
           </a:bodyPr>
-          <a:lstStyle/>
-          <a:p>
-            <a:pPr lvl="0">
+          <a:lstStyle>
+            <a:lvl1pPr algn="l" defTabSz="914400" rtl="0" eaLnBrk="1" latinLnBrk="0" hangingPunct="1">
+              <a:lnSpc>
+                <a:spcPct val="90000"/>
+              </a:lnSpc>
+              <a:spcBef>
+                <a:spcPct val="0"/>
+              </a:spcBef>
+              <a:buNone/>
+              <a:defRPr sz="4400" kern="1200">
+                <a:solidFill>
+                  <a:schemeClr val="tx1"/>
+                </a:solidFill>
+                <a:latin typeface="+mj-lt"/>
+                <a:ea typeface="+mj-ea"/>
+                <a:cs typeface="+mj-cs"/>
+              </a:defRPr>
+            </a:lvl1pPr>
+          </a:lstStyle>
+          <a:p>
+            <a:pPr>
+              <a:spcBef>
+                <a:spcPts val="0"/>
+              </a:spcBef>
+            </a:pPr>
+            <a:r>
+              <a:rPr lang="en-US" sz="4000" dirty="0"/>
+              <a:t>Technical Recommendations for Higher Quality Data</a:t>
+            </a:r>
+          </a:p>
+        </p:txBody>
+      </p:sp>
+      <p:sp>
+        <p:nvSpPr>
+          <p:cNvPr id="7" name="Shape 55">
+            <a:extLst>
+              <a:ext uri="{FF2B5EF4-FFF2-40B4-BE49-F238E27FC236}">
+                <a16:creationId xmlns:a16="http://schemas.microsoft.com/office/drawing/2014/main" id="{17614C56-5B3A-0D40-9A89-C75EE2CCA039}"/>
+              </a:ext>
+            </a:extLst>
+          </p:cNvPr>
+          <p:cNvSpPr txBox="1">
+            <a:spLocks/>
+          </p:cNvSpPr>
+          <p:nvPr/>
+        </p:nvSpPr>
+        <p:spPr>
+          <a:xfrm>
+            <a:off x="311699" y="1696761"/>
+            <a:ext cx="11880301" cy="4050896"/>
+          </a:xfrm>
+          <a:prstGeom prst="rect">
+            <a:avLst/>
+          </a:prstGeom>
+        </p:spPr>
+        <p:txBody>
+          <a:bodyPr spcFirstLastPara="1" vert="horz" wrap="square" lIns="91425" tIns="91425" rIns="91425" bIns="91425" rtlCol="0" anchor="t" anchorCtr="0">
+            <a:noAutofit/>
+          </a:bodyPr>
+          <a:lstStyle>
+            <a:lvl1pPr marL="228600" indent="-228600" algn="l" defTabSz="914400" rtl="0" eaLnBrk="1" latinLnBrk="0" hangingPunct="1">
               <a:lnSpc>
                 <a:spcPct val="90000"/>
               </a:lnSpc>
               <a:spcBef>
                 <a:spcPts val="1000"/>
               </a:spcBef>
-            </a:pPr>
-            <a:r>
-              <a:rPr lang="en-US" sz="2600" dirty="0">
+              <a:buFont typeface="Arial" panose="020B0604020202020204" pitchFamily="34" charset="0"/>
+              <a:buChar char="•"/>
+              <a:defRPr sz="2800" kern="1200">
                 <a:solidFill>
-                  <a:prstClr val="black"/>
+                  <a:schemeClr val="tx1"/>
                 </a:solidFill>
-              </a:rPr>
-              <a:t>While many of the similarities could be addressed programmatically via string functions, some more complex scenarios required manual intervention. It is because of this we have the following recommendations for implementation to avoid this issues going forward:</a:t>
-            </a:r>
-          </a:p>
-          <a:p>
-            <a:pPr marL="457200" lvl="0" indent="-457200">
+                <a:latin typeface="+mn-lt"/>
+                <a:ea typeface="+mn-ea"/>
+                <a:cs typeface="+mn-cs"/>
+              </a:defRPr>
+            </a:lvl1pPr>
+            <a:lvl2pPr marL="685800" indent="-228600" algn="l" defTabSz="914400" rtl="0" eaLnBrk="1" latinLnBrk="0" hangingPunct="1">
               <a:lnSpc>
                 <a:spcPct val="90000"/>
               </a:lnSpc>
               <a:spcBef>
-                <a:spcPts val="1000"/>
+                <a:spcPts val="500"/>
               </a:spcBef>
-              <a:buFontTx/>
-              <a:buChar char="-"/>
-            </a:pPr>
-            <a:r>
-              <a:rPr lang="en-US" sz="2600" dirty="0">
+              <a:buFont typeface="Arial" panose="020B0604020202020204" pitchFamily="34" charset="0"/>
+              <a:buChar char="•"/>
+              <a:defRPr sz="2400" kern="1200">
                 <a:solidFill>
-                  <a:prstClr val="black"/>
+                  <a:schemeClr val="tx1"/>
                 </a:solidFill>
-              </a:rPr>
-              <a:t>Minimize use of acronyms unless official names contain them</a:t>
-            </a:r>
-          </a:p>
-          <a:p>
-            <a:pPr marL="457200" lvl="0" indent="-457200">
+                <a:latin typeface="+mn-lt"/>
+                <a:ea typeface="+mn-ea"/>
+                <a:cs typeface="+mn-cs"/>
+              </a:defRPr>
+            </a:lvl2pPr>
+            <a:lvl3pPr marL="1143000" indent="-228600" algn="l" defTabSz="914400" rtl="0" eaLnBrk="1" latinLnBrk="0" hangingPunct="1">
               <a:lnSpc>
                 <a:spcPct val="90000"/>
               </a:lnSpc>
               <a:spcBef>
-                <a:spcPts val="1000"/>
+                <a:spcPts val="500"/>
               </a:spcBef>
-              <a:buFontTx/>
-              <a:buChar char="-"/>
-            </a:pPr>
-            <a:r>
-              <a:rPr lang="en-US" sz="2600" dirty="0">
+              <a:buFont typeface="Arial" panose="020B0604020202020204" pitchFamily="34" charset="0"/>
+              <a:buChar char="•"/>
+              <a:defRPr sz="2000" kern="1200">
                 <a:solidFill>
-                  <a:prstClr val="black"/>
+                  <a:schemeClr val="tx1"/>
                 </a:solidFill>
-              </a:rPr>
-              <a:t>Generate mechanism to validate City and State combinations to catch errors</a:t>
-            </a:r>
-          </a:p>
-          <a:p>
-            <a:pPr marL="457200" lvl="0" indent="-457200">
+                <a:latin typeface="+mn-lt"/>
+                <a:ea typeface="+mn-ea"/>
+                <a:cs typeface="+mn-cs"/>
+              </a:defRPr>
+            </a:lvl3pPr>
+            <a:lvl4pPr marL="1600200" indent="-228600" algn="l" defTabSz="914400" rtl="0" eaLnBrk="1" latinLnBrk="0" hangingPunct="1">
               <a:lnSpc>
                 <a:spcPct val="90000"/>
               </a:lnSpc>
               <a:spcBef>
-                <a:spcPts val="1000"/>
+                <a:spcPts val="500"/>
               </a:spcBef>
-              <a:buFontTx/>
-              <a:buChar char="-"/>
+              <a:buFont typeface="Arial" panose="020B0604020202020204" pitchFamily="34" charset="0"/>
+              <a:buChar char="•"/>
+              <a:defRPr sz="1800" kern="1200">
+                <a:solidFill>
+                  <a:schemeClr val="tx1"/>
+                </a:solidFill>
+                <a:latin typeface="+mn-lt"/>
+                <a:ea typeface="+mn-ea"/>
+                <a:cs typeface="+mn-cs"/>
+              </a:defRPr>
+            </a:lvl4pPr>
+            <a:lvl5pPr marL="2057400" indent="-228600" algn="l" defTabSz="914400" rtl="0" eaLnBrk="1" latinLnBrk="0" hangingPunct="1">
+              <a:lnSpc>
+                <a:spcPct val="90000"/>
+              </a:lnSpc>
+              <a:spcBef>
+                <a:spcPts val="500"/>
+              </a:spcBef>
+              <a:buFont typeface="Arial" panose="020B0604020202020204" pitchFamily="34" charset="0"/>
+              <a:buChar char="•"/>
+              <a:defRPr sz="1800" kern="1200">
+                <a:solidFill>
+                  <a:schemeClr val="tx1"/>
+                </a:solidFill>
+                <a:latin typeface="+mn-lt"/>
+                <a:ea typeface="+mn-ea"/>
+                <a:cs typeface="+mn-cs"/>
+              </a:defRPr>
+            </a:lvl5pPr>
+            <a:lvl6pPr marL="2514600" indent="-228600" algn="l" defTabSz="914400" rtl="0" eaLnBrk="1" latinLnBrk="0" hangingPunct="1">
+              <a:lnSpc>
+                <a:spcPct val="90000"/>
+              </a:lnSpc>
+              <a:spcBef>
+                <a:spcPts val="500"/>
+              </a:spcBef>
+              <a:buFont typeface="Arial" panose="020B0604020202020204" pitchFamily="34" charset="0"/>
+              <a:buChar char="•"/>
+              <a:defRPr sz="1800" kern="1200">
+                <a:solidFill>
+                  <a:schemeClr val="tx1"/>
+                </a:solidFill>
+                <a:latin typeface="+mn-lt"/>
+                <a:ea typeface="+mn-ea"/>
+                <a:cs typeface="+mn-cs"/>
+              </a:defRPr>
+            </a:lvl6pPr>
+            <a:lvl7pPr marL="2971800" indent="-228600" algn="l" defTabSz="914400" rtl="0" eaLnBrk="1" latinLnBrk="0" hangingPunct="1">
+              <a:lnSpc>
+                <a:spcPct val="90000"/>
+              </a:lnSpc>
+              <a:spcBef>
+                <a:spcPts val="500"/>
+              </a:spcBef>
+              <a:buFont typeface="Arial" panose="020B0604020202020204" pitchFamily="34" charset="0"/>
+              <a:buChar char="•"/>
+              <a:defRPr sz="1800" kern="1200">
+                <a:solidFill>
+                  <a:schemeClr val="tx1"/>
+                </a:solidFill>
+                <a:latin typeface="+mn-lt"/>
+                <a:ea typeface="+mn-ea"/>
+                <a:cs typeface="+mn-cs"/>
+              </a:defRPr>
+            </a:lvl7pPr>
+            <a:lvl8pPr marL="3429000" indent="-228600" algn="l" defTabSz="914400" rtl="0" eaLnBrk="1" latinLnBrk="0" hangingPunct="1">
+              <a:lnSpc>
+                <a:spcPct val="90000"/>
+              </a:lnSpc>
+              <a:spcBef>
+                <a:spcPts val="500"/>
+              </a:spcBef>
+              <a:buFont typeface="Arial" panose="020B0604020202020204" pitchFamily="34" charset="0"/>
+              <a:buChar char="•"/>
+              <a:defRPr sz="1800" kern="1200">
+                <a:solidFill>
+                  <a:schemeClr val="tx1"/>
+                </a:solidFill>
+                <a:latin typeface="+mn-lt"/>
+                <a:ea typeface="+mn-ea"/>
+                <a:cs typeface="+mn-cs"/>
+              </a:defRPr>
+            </a:lvl8pPr>
+            <a:lvl9pPr marL="3886200" indent="-228600" algn="l" defTabSz="914400" rtl="0" eaLnBrk="1" latinLnBrk="0" hangingPunct="1">
+              <a:lnSpc>
+                <a:spcPct val="90000"/>
+              </a:lnSpc>
+              <a:spcBef>
+                <a:spcPts val="500"/>
+              </a:spcBef>
+              <a:buFont typeface="Arial" panose="020B0604020202020204" pitchFamily="34" charset="0"/>
+              <a:buChar char="•"/>
+              <a:defRPr sz="1800" kern="1200">
+                <a:solidFill>
+                  <a:schemeClr val="tx1"/>
+                </a:solidFill>
+                <a:latin typeface="+mn-lt"/>
+                <a:ea typeface="+mn-ea"/>
+                <a:cs typeface="+mn-cs"/>
+              </a:defRPr>
+            </a:lvl9pPr>
+          </a:lstStyle>
+          <a:p>
+            <a:pPr marL="457200" indent="-342900">
+              <a:spcBef>
+                <a:spcPts val="0"/>
+              </a:spcBef>
+              <a:buSzPts val="1800"/>
+              <a:buFont typeface="Arial" panose="020B0604020202020204" pitchFamily="34" charset="0"/>
+              <a:buChar char="●"/>
             </a:pPr>
             <a:r>
-              <a:rPr lang="en-US" sz="2600" dirty="0">
-                <a:solidFill>
-                  <a:prstClr val="black"/>
-                </a:solidFill>
-              </a:rPr>
-              <a:t>Implement common naming strategy for the sake of consistency (Co. vs Company)</a:t>
+              <a:rPr lang="en-US" dirty="0"/>
+              <a:t>Database layer validations</a:t>
+            </a:r>
+          </a:p>
+          <a:p>
+            <a:pPr marL="914400" lvl="1" indent="-317500">
+              <a:spcBef>
+                <a:spcPts val="0"/>
+              </a:spcBef>
+              <a:buSzPts val="1400"/>
+              <a:buFont typeface="Arial" panose="020B0604020202020204" pitchFamily="34" charset="0"/>
+              <a:buChar char="○"/>
+            </a:pPr>
+            <a:r>
+              <a:rPr lang="en-US" dirty="0"/>
+              <a:t>Validate uniqueness of names of beers and breweries</a:t>
+            </a:r>
+          </a:p>
+          <a:p>
+            <a:pPr marL="914400" lvl="1" indent="-317500">
+              <a:spcBef>
+                <a:spcPts val="0"/>
+              </a:spcBef>
+              <a:buSzPts val="1400"/>
+              <a:buFont typeface="Arial" panose="020B0604020202020204" pitchFamily="34" charset="0"/>
+              <a:buChar char="○"/>
+            </a:pPr>
+            <a:r>
+              <a:rPr lang="en-US" dirty="0"/>
+              <a:t>Have States set as </a:t>
+            </a:r>
+            <a:r>
+              <a:rPr lang="en-US" dirty="0" err="1"/>
+              <a:t>Enums</a:t>
+            </a:r>
+            <a:endParaRPr lang="en-US" dirty="0"/>
+          </a:p>
+          <a:p>
+            <a:pPr marL="914400" lvl="1" indent="-317500">
+              <a:spcBef>
+                <a:spcPts val="0"/>
+              </a:spcBef>
+              <a:buSzPts val="1400"/>
+              <a:buFont typeface="Arial" panose="020B0604020202020204" pitchFamily="34" charset="0"/>
+              <a:buChar char="○"/>
+            </a:pPr>
+            <a:endParaRPr lang="en-US" dirty="0"/>
+          </a:p>
+          <a:p>
+            <a:pPr marL="457200" indent="-342900">
+              <a:spcBef>
+                <a:spcPts val="0"/>
+              </a:spcBef>
+              <a:buSzPts val="1800"/>
+              <a:buFont typeface="Arial" panose="020B0604020202020204" pitchFamily="34" charset="0"/>
+              <a:buChar char="●"/>
+            </a:pPr>
+            <a:r>
+              <a:rPr lang="en-US" dirty="0"/>
+              <a:t>Build a web application to collect and verify data</a:t>
+            </a:r>
+          </a:p>
+          <a:p>
+            <a:pPr marL="914400" lvl="1" indent="-317500">
+              <a:spcBef>
+                <a:spcPts val="0"/>
+              </a:spcBef>
+              <a:buSzPts val="1400"/>
+              <a:buFont typeface="Arial" panose="020B0604020202020204" pitchFamily="34" charset="0"/>
+              <a:buChar char="○"/>
+            </a:pPr>
+            <a:r>
+              <a:rPr lang="en-US" dirty="0"/>
+              <a:t>Since we are not working with Big Data here, it would be good to have tooling in place to have </a:t>
+            </a:r>
+            <a:r>
+              <a:rPr lang="en-US" dirty="0" err="1"/>
+              <a:t>api</a:t>
+            </a:r>
+            <a:r>
+              <a:rPr lang="en-US" dirty="0"/>
+              <a:t> integration with Google maps </a:t>
+            </a:r>
+            <a:r>
+              <a:rPr lang="en-US" dirty="0" err="1"/>
+              <a:t>api</a:t>
+            </a:r>
+            <a:r>
+              <a:rPr lang="en-US" dirty="0"/>
+              <a:t> to verify name and address of breweries.</a:t>
+            </a:r>
+          </a:p>
+          <a:p>
+            <a:pPr marL="914400" lvl="1" indent="-317500">
+              <a:spcBef>
+                <a:spcPts val="0"/>
+              </a:spcBef>
+              <a:buSzPts val="1400"/>
+              <a:buFont typeface="Arial" panose="020B0604020202020204" pitchFamily="34" charset="0"/>
+              <a:buChar char="○"/>
+            </a:pPr>
+            <a:r>
+              <a:rPr lang="en-US" dirty="0"/>
+              <a:t>This application can have more sophisticated validation logic</a:t>
+            </a:r>
+          </a:p>
+          <a:p>
+            <a:pPr marL="914400" lvl="1" indent="-317500">
+              <a:spcBef>
+                <a:spcPts val="0"/>
+              </a:spcBef>
+              <a:buSzPts val="1400"/>
+              <a:buFont typeface="Arial" panose="020B0604020202020204" pitchFamily="34" charset="0"/>
+              <a:buChar char="○"/>
+            </a:pPr>
+            <a:r>
+              <a:rPr lang="en-US" dirty="0"/>
+              <a:t>This application can leverage task scheduling to pull data</a:t>
+            </a:r>
+          </a:p>
+          <a:p>
+            <a:pPr marL="914400" lvl="1" indent="-317500">
+              <a:spcBef>
+                <a:spcPts val="0"/>
+              </a:spcBef>
+              <a:buSzPts val="1400"/>
+              <a:buFont typeface="Arial" panose="020B0604020202020204" pitchFamily="34" charset="0"/>
+              <a:buChar char="○"/>
+            </a:pPr>
+            <a:r>
+              <a:rPr lang="en-US" dirty="0"/>
+              <a:t>Consume data in many formats. CSV, JSON, XML, etc.</a:t>
             </a:r>
           </a:p>
         </p:txBody>

--- a/Case_Study_MER/Slides for Class.pptx
+++ b/Case_Study_MER/Slides for Class.pptx
@@ -6,10 +6,12 @@
   </p:sldMasterIdLst>
   <p:sldIdLst>
     <p:sldId id="256" r:id="rId2"/>
-    <p:sldId id="257" r:id="rId3"/>
-    <p:sldId id="258" r:id="rId4"/>
-    <p:sldId id="259" r:id="rId5"/>
-    <p:sldId id="260" r:id="rId6"/>
+    <p:sldId id="262" r:id="rId3"/>
+    <p:sldId id="257" r:id="rId4"/>
+    <p:sldId id="258" r:id="rId5"/>
+    <p:sldId id="259" r:id="rId6"/>
+    <p:sldId id="260" r:id="rId7"/>
+    <p:sldId id="261" r:id="rId8"/>
   </p:sldIdLst>
   <p:sldSz cx="12192000" cy="6858000"/>
   <p:notesSz cx="6858000" cy="9144000"/>
@@ -3421,6 +3423,113 @@
           <p:cNvPr id="2" name="Title 1">
             <a:extLst>
               <a:ext uri="{FF2B5EF4-FFF2-40B4-BE49-F238E27FC236}">
+                <a16:creationId xmlns:a16="http://schemas.microsoft.com/office/drawing/2014/main" id="{0FAC52B8-7336-A647-9222-D22E5CD112F7}"/>
+              </a:ext>
+            </a:extLst>
+          </p:cNvPr>
+          <p:cNvSpPr>
+            <a:spLocks noGrp="1"/>
+          </p:cNvSpPr>
+          <p:nvPr>
+            <p:ph type="title"/>
+          </p:nvPr>
+        </p:nvSpPr>
+        <p:spPr/>
+        <p:txBody>
+          <a:bodyPr/>
+          <a:lstStyle/>
+          <a:p>
+            <a:r>
+              <a:rPr lang="en-US" dirty="0"/>
+              <a:t>Deliverables</a:t>
+            </a:r>
+          </a:p>
+        </p:txBody>
+      </p:sp>
+      <p:sp>
+        <p:nvSpPr>
+          <p:cNvPr id="3" name="Content Placeholder 2">
+            <a:extLst>
+              <a:ext uri="{FF2B5EF4-FFF2-40B4-BE49-F238E27FC236}">
+                <a16:creationId xmlns:a16="http://schemas.microsoft.com/office/drawing/2014/main" id="{630A6D5F-1480-5C42-927C-EFAFD3B0B80C}"/>
+              </a:ext>
+            </a:extLst>
+          </p:cNvPr>
+          <p:cNvSpPr>
+            <a:spLocks noGrp="1"/>
+          </p:cNvSpPr>
+          <p:nvPr>
+            <p:ph idx="1"/>
+          </p:nvPr>
+        </p:nvSpPr>
+        <p:spPr/>
+        <p:txBody>
+          <a:bodyPr/>
+          <a:lstStyle/>
+          <a:p>
+            <a:r>
+              <a:rPr lang="en-US" dirty="0"/>
+              <a:t>Met with client to review Brewery data and ensure quality</a:t>
+            </a:r>
+          </a:p>
+          <a:p>
+            <a:r>
+              <a:rPr lang="en-US" dirty="0"/>
+              <a:t>After team did some investigation generated findings and recommendations for future implementation</a:t>
+            </a:r>
+          </a:p>
+          <a:p>
+            <a:r>
+              <a:rPr lang="en-US" dirty="0"/>
+              <a:t>Spatially correlated available data for high level review</a:t>
+            </a:r>
+          </a:p>
+          <a:p>
+            <a:r>
+              <a:rPr lang="en-US" dirty="0"/>
+              <a:t>Determined which Beers exhibited certain values for Alcohol by volume (ABV) and International Bitterness Units (IBU)</a:t>
+            </a:r>
+          </a:p>
+          <a:p>
+            <a:endParaRPr lang="en-US" dirty="0"/>
+          </a:p>
+        </p:txBody>
+      </p:sp>
+    </p:spTree>
+    <p:extLst>
+      <p:ext uri="{BB962C8B-B14F-4D97-AF65-F5344CB8AC3E}">
+        <p14:creationId xmlns:p14="http://schemas.microsoft.com/office/powerpoint/2010/main" val="1430216130"/>
+      </p:ext>
+    </p:extLst>
+  </p:cSld>
+  <p:clrMapOvr>
+    <a:masterClrMapping/>
+  </p:clrMapOvr>
+</p:sld>
+</file>
+
+<file path=ppt/slides/slide3.xml><?xml version="1.0" encoding="utf-8"?>
+<p:sld xmlns:a="http://schemas.openxmlformats.org/drawingml/2006/main" xmlns:r="http://schemas.openxmlformats.org/officeDocument/2006/relationships" xmlns:p="http://schemas.openxmlformats.org/presentationml/2006/main">
+  <p:cSld>
+    <p:spTree>
+      <p:nvGrpSpPr>
+        <p:cNvPr id="1" name=""/>
+        <p:cNvGrpSpPr/>
+        <p:nvPr/>
+      </p:nvGrpSpPr>
+      <p:grpSpPr>
+        <a:xfrm>
+          <a:off x="0" y="0"/>
+          <a:ext cx="0" cy="0"/>
+          <a:chOff x="0" y="0"/>
+          <a:chExt cx="0" cy="0"/>
+        </a:xfrm>
+      </p:grpSpPr>
+      <p:sp>
+        <p:nvSpPr>
+          <p:cNvPr id="2" name="Title 1">
+            <a:extLst>
+              <a:ext uri="{FF2B5EF4-FFF2-40B4-BE49-F238E27FC236}">
                 <a16:creationId xmlns:a16="http://schemas.microsoft.com/office/drawing/2014/main" id="{91F793FF-8C39-9740-AB79-DEED3D3C8263}"/>
               </a:ext>
             </a:extLst>
@@ -3530,7 +3639,7 @@
 </p:sld>
 </file>
 
-<file path=ppt/slides/slide3.xml><?xml version="1.0" encoding="utf-8"?>
+<file path=ppt/slides/slide4.xml><?xml version="1.0" encoding="utf-8"?>
 <p:sld xmlns:a="http://schemas.openxmlformats.org/drawingml/2006/main" xmlns:r="http://schemas.openxmlformats.org/officeDocument/2006/relationships" xmlns:p="http://schemas.openxmlformats.org/presentationml/2006/main">
   <p:cSld>
     <p:spTree>
@@ -3691,7 +3800,7 @@
 </p:sld>
 </file>
 
-<file path=ppt/slides/slide4.xml><?xml version="1.0" encoding="utf-8"?>
+<file path=ppt/slides/slide5.xml><?xml version="1.0" encoding="utf-8"?>
 <p:sld xmlns:a="http://schemas.openxmlformats.org/drawingml/2006/main" xmlns:r="http://schemas.openxmlformats.org/officeDocument/2006/relationships" xmlns:p="http://schemas.openxmlformats.org/presentationml/2006/main">
   <p:cSld>
     <p:spTree>
@@ -4130,7 +4239,7 @@
 </p:sld>
 </file>
 
-<file path=ppt/slides/slide5.xml><?xml version="1.0" encoding="utf-8"?>
+<file path=ppt/slides/slide6.xml><?xml version="1.0" encoding="utf-8"?>
 <p:sld xmlns:a="http://schemas.openxmlformats.org/drawingml/2006/main" xmlns:r="http://schemas.openxmlformats.org/officeDocument/2006/relationships" xmlns:p="http://schemas.openxmlformats.org/presentationml/2006/main">
   <p:cSld>
     <p:spTree>
@@ -4547,6 +4656,210 @@
     <p:extLst>
       <p:ext uri="{BB962C8B-B14F-4D97-AF65-F5344CB8AC3E}">
         <p14:creationId xmlns:p14="http://schemas.microsoft.com/office/powerpoint/2010/main" val="2109890792"/>
+      </p:ext>
+    </p:extLst>
+  </p:cSld>
+  <p:clrMapOvr>
+    <a:masterClrMapping/>
+  </p:clrMapOvr>
+</p:sld>
+</file>
+
+<file path=ppt/slides/slide7.xml><?xml version="1.0" encoding="utf-8"?>
+<p:sld xmlns:a="http://schemas.openxmlformats.org/drawingml/2006/main" xmlns:r="http://schemas.openxmlformats.org/officeDocument/2006/relationships" xmlns:p="http://schemas.openxmlformats.org/presentationml/2006/main">
+  <p:cSld>
+    <p:spTree>
+      <p:nvGrpSpPr>
+        <p:cNvPr id="1" name=""/>
+        <p:cNvGrpSpPr/>
+        <p:nvPr/>
+      </p:nvGrpSpPr>
+      <p:grpSpPr>
+        <a:xfrm>
+          <a:off x="0" y="0"/>
+          <a:ext cx="0" cy="0"/>
+          <a:chOff x="0" y="0"/>
+          <a:chExt cx="0" cy="0"/>
+        </a:xfrm>
+      </p:grpSpPr>
+      <p:sp>
+        <p:nvSpPr>
+          <p:cNvPr id="2" name="Title 1">
+            <a:extLst>
+              <a:ext uri="{FF2B5EF4-FFF2-40B4-BE49-F238E27FC236}">
+                <a16:creationId xmlns:a16="http://schemas.microsoft.com/office/drawing/2014/main" id="{C9CEE79D-F7A8-B04C-AD77-E1672FDE5016}"/>
+              </a:ext>
+            </a:extLst>
+          </p:cNvPr>
+          <p:cNvSpPr>
+            <a:spLocks noGrp="1"/>
+          </p:cNvSpPr>
+          <p:nvPr>
+            <p:ph type="title"/>
+          </p:nvPr>
+        </p:nvSpPr>
+        <p:spPr/>
+        <p:txBody>
+          <a:bodyPr/>
+          <a:lstStyle/>
+          <a:p>
+            <a:r>
+              <a:rPr lang="en-US" dirty="0"/>
+              <a:t>Spatial Results</a:t>
+            </a:r>
+          </a:p>
+        </p:txBody>
+      </p:sp>
+      <p:pic>
+        <p:nvPicPr>
+          <p:cNvPr id="5" name="Picture 4">
+            <a:extLst>
+              <a:ext uri="{FF2B5EF4-FFF2-40B4-BE49-F238E27FC236}">
+                <a16:creationId xmlns:a16="http://schemas.microsoft.com/office/drawing/2014/main" id="{65D1CDA9-BE33-E948-B9CD-DE3C7666DA3C}"/>
+              </a:ext>
+            </a:extLst>
+          </p:cNvPr>
+          <p:cNvPicPr>
+            <a:picLocks noChangeAspect="1"/>
+          </p:cNvPicPr>
+          <p:nvPr/>
+        </p:nvPicPr>
+        <p:blipFill>
+          <a:blip r:embed="rId2"/>
+          <a:stretch>
+            <a:fillRect/>
+          </a:stretch>
+        </p:blipFill>
+        <p:spPr>
+          <a:xfrm>
+            <a:off x="236220" y="1524000"/>
+            <a:ext cx="5987682" cy="5127573"/>
+          </a:xfrm>
+          <a:prstGeom prst="rect">
+            <a:avLst/>
+          </a:prstGeom>
+        </p:spPr>
+      </p:pic>
+      <p:pic>
+        <p:nvPicPr>
+          <p:cNvPr id="7" name="Picture 6">
+            <a:extLst>
+              <a:ext uri="{FF2B5EF4-FFF2-40B4-BE49-F238E27FC236}">
+                <a16:creationId xmlns:a16="http://schemas.microsoft.com/office/drawing/2014/main" id="{D730B5A5-9A1A-0F4A-BEA2-3FD43DB8C374}"/>
+              </a:ext>
+            </a:extLst>
+          </p:cNvPr>
+          <p:cNvPicPr>
+            <a:picLocks noChangeAspect="1"/>
+          </p:cNvPicPr>
+          <p:nvPr/>
+        </p:nvPicPr>
+        <p:blipFill>
+          <a:blip r:embed="rId3"/>
+          <a:stretch>
+            <a:fillRect/>
+          </a:stretch>
+        </p:blipFill>
+        <p:spPr>
+          <a:xfrm>
+            <a:off x="5852209" y="1524000"/>
+            <a:ext cx="5987682" cy="5127573"/>
+          </a:xfrm>
+          <a:prstGeom prst="rect">
+            <a:avLst/>
+          </a:prstGeom>
+        </p:spPr>
+      </p:pic>
+      <p:sp>
+        <p:nvSpPr>
+          <p:cNvPr id="8" name="TextBox 7">
+            <a:extLst>
+              <a:ext uri="{FF2B5EF4-FFF2-40B4-BE49-F238E27FC236}">
+                <a16:creationId xmlns:a16="http://schemas.microsoft.com/office/drawing/2014/main" id="{183D9DB4-994B-5F49-B4D7-BA9EFF59D4ED}"/>
+              </a:ext>
+            </a:extLst>
+          </p:cNvPr>
+          <p:cNvSpPr txBox="1"/>
+          <p:nvPr/>
+        </p:nvSpPr>
+        <p:spPr>
+          <a:xfrm>
+            <a:off x="2041341" y="1690688"/>
+            <a:ext cx="2377440" cy="369332"/>
+          </a:xfrm>
+          <a:prstGeom prst="rect">
+            <a:avLst/>
+          </a:prstGeom>
+          <a:solidFill>
+            <a:schemeClr val="bg1"/>
+          </a:solidFill>
+          <a:ln>
+            <a:solidFill>
+              <a:schemeClr val="tx1"/>
+            </a:solidFill>
+          </a:ln>
+        </p:spPr>
+        <p:txBody>
+          <a:bodyPr wrap="square" rtlCol="0">
+            <a:spAutoFit/>
+          </a:bodyPr>
+          <a:lstStyle/>
+          <a:p>
+            <a:pPr algn="ctr"/>
+            <a:r>
+              <a:rPr lang="en-US" b="1" i="1" dirty="0"/>
+              <a:t>Locations by City, State</a:t>
+            </a:r>
+          </a:p>
+        </p:txBody>
+      </p:sp>
+      <p:sp>
+        <p:nvSpPr>
+          <p:cNvPr id="9" name="TextBox 8">
+            <a:extLst>
+              <a:ext uri="{FF2B5EF4-FFF2-40B4-BE49-F238E27FC236}">
+                <a16:creationId xmlns:a16="http://schemas.microsoft.com/office/drawing/2014/main" id="{646EB88E-4C9F-AA4F-8AAF-D32BD99F12D5}"/>
+              </a:ext>
+            </a:extLst>
+          </p:cNvPr>
+          <p:cNvSpPr txBox="1"/>
+          <p:nvPr/>
+        </p:nvSpPr>
+        <p:spPr>
+          <a:xfrm>
+            <a:off x="7657330" y="1690688"/>
+            <a:ext cx="2377440" cy="369332"/>
+          </a:xfrm>
+          <a:prstGeom prst="rect">
+            <a:avLst/>
+          </a:prstGeom>
+          <a:solidFill>
+            <a:schemeClr val="bg1"/>
+          </a:solidFill>
+          <a:ln>
+            <a:solidFill>
+              <a:schemeClr val="tx1"/>
+            </a:solidFill>
+          </a:ln>
+        </p:spPr>
+        <p:txBody>
+          <a:bodyPr wrap="square" rtlCol="0">
+            <a:spAutoFit/>
+          </a:bodyPr>
+          <a:lstStyle/>
+          <a:p>
+            <a:pPr algn="ctr"/>
+            <a:r>
+              <a:rPr lang="en-US" b="1" i="1" dirty="0"/>
+              <a:t>Count by Region</a:t>
+            </a:r>
+          </a:p>
+        </p:txBody>
+      </p:sp>
+    </p:spTree>
+    <p:extLst>
+      <p:ext uri="{BB962C8B-B14F-4D97-AF65-F5344CB8AC3E}">
+        <p14:creationId xmlns:p14="http://schemas.microsoft.com/office/powerpoint/2010/main" val="1753697566"/>
       </p:ext>
     </p:extLst>
   </p:cSld>
